--- a/events/2021-09-15/slides/06-supporters.pptx
+++ b/events/2021-09-15/slides/06-supporters.pptx
@@ -239,7 +239,7 @@
             <a:fld id="{35305EB0-020F-4995-961E-A35B2BB78D2B}" type="datetimeFigureOut">
               <a:rPr kumimoji="1" lang="ja-JP" altLang="en-US" smtClean="0"/>
               <a:pPr/>
-              <a:t>2021/9/12</a:t>
+              <a:t>2021/9/13</a:t>
             </a:fld>
             <a:endParaRPr kumimoji="1" lang="ja-JP" altLang="en-US"/>
           </a:p>
@@ -52416,6 +52416,35 @@
           </a:p>
           <a:p>
             <a:r>
+              <a:rPr kumimoji="1" lang="en-US" altLang="ja-JP" dirty="0"/>
+              <a:t>TA</a:t>
+            </a:r>
+            <a:r>
+              <a:rPr kumimoji="1" lang="ja-JP" altLang="en-US" dirty="0"/>
+              <a:t>よりは軽い仕事</a:t>
+            </a:r>
+            <a:r>
+              <a:rPr kumimoji="1" lang="ja-JP" altLang="en-US" sz="2400" dirty="0"/>
+              <a:t>（学生の同意があればハイブリッドのサポートも可）</a:t>
+            </a:r>
+            <a:endParaRPr kumimoji="1" lang="en-US" altLang="ja-JP" dirty="0"/>
+          </a:p>
+          <a:p>
+            <a:pPr lvl="1"/>
+            <a:r>
+              <a:rPr kumimoji="1" lang="ja-JP" altLang="en-US" dirty="0"/>
+              <a:t>ウェブ会議に慣れるための事前練習、授業中のチャット確認</a:t>
+            </a:r>
+          </a:p>
+          <a:p>
+            <a:r>
+              <a:rPr lang="ja-JP" altLang="en-US" dirty="0"/>
+              <a:t>サポーター業務は成績とは無関係とする</a:t>
+            </a:r>
+            <a:endParaRPr kumimoji="1" lang="en-US" altLang="ja-JP" dirty="0"/>
+          </a:p>
+          <a:p>
+            <a:r>
               <a:rPr kumimoji="1" lang="ja-JP" altLang="en-US" dirty="0"/>
               <a:t>研修</a:t>
             </a:r>
@@ -52465,13 +52494,6 @@
           </a:p>
           <a:p>
             <a:r>
-              <a:rPr lang="ja-JP" altLang="en-US" dirty="0"/>
-              <a:t>サポーター業務は成績とは無関係とする</a:t>
-            </a:r>
-            <a:endParaRPr kumimoji="1" lang="en-US" altLang="ja-JP" dirty="0"/>
-          </a:p>
-          <a:p>
-            <a:r>
               <a:rPr kumimoji="1" lang="ja-JP" altLang="en-US" dirty="0"/>
               <a:t>一律</a:t>
             </a:r>
@@ -52508,28 +52530,6 @@
               <a:t>時間）</a:t>
             </a:r>
             <a:endParaRPr kumimoji="1" lang="en-US" altLang="ja-JP" dirty="0"/>
-          </a:p>
-          <a:p>
-            <a:r>
-              <a:rPr kumimoji="1" lang="en-US" altLang="ja-JP" dirty="0"/>
-              <a:t>TA</a:t>
-            </a:r>
-            <a:r>
-              <a:rPr kumimoji="1" lang="ja-JP" altLang="en-US" dirty="0"/>
-              <a:t>よりは軽い仕事</a:t>
-            </a:r>
-            <a:r>
-              <a:rPr kumimoji="1" lang="ja-JP" altLang="en-US" sz="2400" dirty="0"/>
-              <a:t>（学生の同意があればハイブリッドのサポートも可）</a:t>
-            </a:r>
-            <a:endParaRPr kumimoji="1" lang="en-US" altLang="ja-JP" dirty="0"/>
-          </a:p>
-          <a:p>
-            <a:pPr lvl="1"/>
-            <a:r>
-              <a:rPr kumimoji="1" lang="ja-JP" altLang="en-US" dirty="0"/>
-              <a:t>ウェブ会議に慣れるための事前練習、授業中のチャット確認</a:t>
-            </a:r>
           </a:p>
           <a:p>
             <a:r>
